--- a/docs/SLATE'22/presentation.pptx
+++ b/docs/SLATE'22/presentation.pptx
@@ -293,7 +293,7 @@
           <a:p>
             <a:fld id="{6E5C0719-993D-42E1-80ED-8F01056F36C2}" type="datetimeFigureOut">
               <a:rPr lang="en-US" smtClean="0"/>
-              <a:t>7/13/2022</a:t>
+              <a:t>7/28/2022</a:t>
             </a:fld>
             <a:endParaRPr lang="en-US" dirty="0"/>
           </a:p>
@@ -471,7 +471,7 @@
           <a:p>
             <a:fld id="{21D3BC9C-6C58-464F-B94E-FD73C5FB016E}" type="datetimeFigureOut">
               <a:rPr lang="en-US" smtClean="0"/>
-              <a:t>7/13/2022</a:t>
+              <a:t>7/28/2022</a:t>
             </a:fld>
             <a:endParaRPr lang="en-US" dirty="0"/>
           </a:p>
@@ -3497,7 +3497,7 @@
           <a:p>
             <a:fld id="{6CBFF0DE-6755-4468-8D84-DC19D3CAEC1E}" type="datetime1">
               <a:rPr lang="en-US" smtClean="0"/>
-              <a:t>7/13/2022</a:t>
+              <a:t>7/28/2022</a:t>
             </a:fld>
             <a:endParaRPr lang="en-US" dirty="0"/>
           </a:p>
@@ -3695,7 +3695,7 @@
           <a:p>
             <a:fld id="{E8221C6A-180D-46C7-85C1-EBDA4FD4B651}" type="datetime1">
               <a:rPr lang="en-US" smtClean="0"/>
-              <a:t>7/13/2022</a:t>
+              <a:t>7/28/2022</a:t>
             </a:fld>
             <a:endParaRPr lang="en-US" dirty="0"/>
           </a:p>
@@ -3903,7 +3903,7 @@
           <a:p>
             <a:fld id="{76D81BA5-844B-4633-87A6-C6CF62C966FA}" type="datetime1">
               <a:rPr lang="en-US" smtClean="0"/>
-              <a:t>7/13/2022</a:t>
+              <a:t>7/28/2022</a:t>
             </a:fld>
             <a:endParaRPr lang="en-US" dirty="0"/>
           </a:p>
@@ -4101,7 +4101,7 @@
           <a:p>
             <a:fld id="{28AF64A1-BF95-4282-AA4E-5AC26F8834A9}" type="datetime1">
               <a:rPr lang="en-US" smtClean="0"/>
-              <a:t>7/13/2022</a:t>
+              <a:t>7/28/2022</a:t>
             </a:fld>
             <a:endParaRPr lang="en-US" dirty="0"/>
           </a:p>
@@ -4376,7 +4376,7 @@
           <a:p>
             <a:fld id="{BFA5C939-CC2E-476B-99A2-B8657BB8F3FB}" type="datetime1">
               <a:rPr lang="en-US" smtClean="0"/>
-              <a:t>7/13/2022</a:t>
+              <a:t>7/28/2022</a:t>
             </a:fld>
             <a:endParaRPr lang="en-US" dirty="0"/>
           </a:p>
@@ -4641,7 +4641,7 @@
           <a:p>
             <a:fld id="{D356DB45-B9D5-46DF-844D-40412B4037EB}" type="datetime1">
               <a:rPr lang="en-US" smtClean="0"/>
-              <a:t>7/13/2022</a:t>
+              <a:t>7/28/2022</a:t>
             </a:fld>
             <a:endParaRPr lang="en-US" dirty="0"/>
           </a:p>
@@ -5053,7 +5053,7 @@
           <a:p>
             <a:fld id="{F6E32038-4B0F-432A-A81F-706835099CF2}" type="datetime1">
               <a:rPr lang="en-US" smtClean="0"/>
-              <a:t>7/13/2022</a:t>
+              <a:t>7/28/2022</a:t>
             </a:fld>
             <a:endParaRPr lang="en-US" dirty="0"/>
           </a:p>
@@ -5194,7 +5194,7 @@
           <a:p>
             <a:fld id="{5FE7E136-CB69-402D-A738-0724333E3AF9}" type="datetime1">
               <a:rPr lang="en-US" smtClean="0"/>
-              <a:t>7/13/2022</a:t>
+              <a:t>7/28/2022</a:t>
             </a:fld>
             <a:endParaRPr lang="en-US" dirty="0"/>
           </a:p>
@@ -5307,7 +5307,7 @@
           <a:p>
             <a:fld id="{418F7B0B-16E4-48D5-A964-D702EA2A65AF}" type="datetime1">
               <a:rPr lang="en-US" smtClean="0"/>
-              <a:t>7/13/2022</a:t>
+              <a:t>7/28/2022</a:t>
             </a:fld>
             <a:endParaRPr lang="en-US" dirty="0"/>
           </a:p>
@@ -5618,7 +5618,7 @@
           <a:p>
             <a:fld id="{313392FC-4B2B-4C4D-8371-F2113B75F7AF}" type="datetime1">
               <a:rPr lang="en-US" smtClean="0"/>
-              <a:t>7/13/2022</a:t>
+              <a:t>7/28/2022</a:t>
             </a:fld>
             <a:endParaRPr lang="en-US" dirty="0"/>
           </a:p>
@@ -5910,7 +5910,7 @@
           <a:p>
             <a:fld id="{B8CAAE17-3649-4ED3-AEB6-029CA18BB6C2}" type="datetime1">
               <a:rPr lang="en-US" smtClean="0"/>
-              <a:t>7/13/2022</a:t>
+              <a:t>7/28/2022</a:t>
             </a:fld>
             <a:endParaRPr lang="en-US" dirty="0"/>
           </a:p>
@@ -6151,7 +6151,7 @@
           <a:p>
             <a:fld id="{C736F05E-5CF0-4533-B6E3-E28E849BE851}" type="datetime1">
               <a:rPr lang="en-US" smtClean="0"/>
-              <a:t>7/13/2022</a:t>
+              <a:t>7/28/2022</a:t>
             </a:fld>
             <a:endParaRPr lang="en-US" dirty="0"/>
           </a:p>
@@ -10647,7 +10647,7 @@
           <a:prstGeom prst="line">
             <a:avLst/>
           </a:prstGeom>
-          <a:ln w="38100"/>
+          <a:ln w="28575"/>
         </p:spPr>
         <p:style>
           <a:lnRef idx="1">
@@ -23657,14 +23657,6 @@
 </file>
 
 <file path=customXml/item1.xml><?xml version="1.0" encoding="utf-8"?>
-<p:properties xmlns:p="http://schemas.microsoft.com/office/2006/metadata/properties" xmlns:xsi="http://www.w3.org/2001/XMLSchema-instance" xmlns:pc="http://schemas.microsoft.com/office/infopath/2007/PartnerControls">
-  <documentManagement>
-    <MediaServiceKeyPoints xmlns="71af3243-3dd4-4a8d-8c0d-dd76da1f02a5" xsi:nil="true"/>
-  </documentManagement>
-</p:properties>
-</file>
-
-<file path=customXml/item2.xml><?xml version="1.0" encoding="utf-8"?>
 <ct:contentTypeSchema xmlns:ct="http://schemas.microsoft.com/office/2006/metadata/contentType" xmlns:ma="http://schemas.microsoft.com/office/2006/metadata/properties/metaAttributes" ct:_="" ma:_="" ma:contentTypeName="Document" ma:contentTypeID="0x01010079F111ED35F8CC479449609E8A0923A6" ma:contentTypeVersion="11" ma:contentTypeDescription="Create a new document." ma:contentTypeScope="" ma:versionID="9677210f24a1be23c92c90fd886aa0aa">
   <xsd:schema xmlns:xsd="http://www.w3.org/2001/XMLSchema" xmlns:xs="http://www.w3.org/2001/XMLSchema" xmlns:p="http://schemas.microsoft.com/office/2006/metadata/properties" xmlns:ns2="71af3243-3dd4-4a8d-8c0d-dd76da1f02a5" xmlns:ns3="16c05727-aa75-4e4a-9b5f-8a80a1165891" targetNamespace="http://schemas.microsoft.com/office/2006/metadata/properties" ma:root="true" ma:fieldsID="60e05723c5c1908df1a1a4ebf11d344e" ns2:_="" ns3:_="">
     <xsd:import namespace="71af3243-3dd4-4a8d-8c0d-dd76da1f02a5"/>
@@ -23875,6 +23867,14 @@
 </ct:contentTypeSchema>
 </file>
 
+<file path=customXml/item2.xml><?xml version="1.0" encoding="utf-8"?>
+<p:properties xmlns:p="http://schemas.microsoft.com/office/2006/metadata/properties" xmlns:xsi="http://www.w3.org/2001/XMLSchema-instance" xmlns:pc="http://schemas.microsoft.com/office/infopath/2007/PartnerControls">
+  <documentManagement>
+    <MediaServiceKeyPoints xmlns="71af3243-3dd4-4a8d-8c0d-dd76da1f02a5" xsi:nil="true"/>
+  </documentManagement>
+</p:properties>
+</file>
+
 <file path=customXml/item3.xml><?xml version="1.0" encoding="utf-8"?>
 <?mso-contentType ?>
 <FormTemplates xmlns="http://schemas.microsoft.com/sharepoint/v3/contenttype/forms">
@@ -23885,16 +23885,6 @@
 </file>
 
 <file path=customXml/itemProps1.xml><?xml version="1.0" encoding="utf-8"?>
-<ds:datastoreItem xmlns:ds="http://schemas.openxmlformats.org/officeDocument/2006/customXml" ds:itemID="{EF609EDA-869E-4BE5-AE5D-B898C584B6FF}">
-  <ds:schemaRefs>
-    <ds:schemaRef ds:uri="http://schemas.microsoft.com/office/2006/metadata/properties"/>
-    <ds:schemaRef ds:uri="http://schemas.microsoft.com/office/infopath/2007/PartnerControls"/>
-    <ds:schemaRef ds:uri="71af3243-3dd4-4a8d-8c0d-dd76da1f02a5"/>
-  </ds:schemaRefs>
-</ds:datastoreItem>
-</file>
-
-<file path=customXml/itemProps2.xml><?xml version="1.0" encoding="utf-8"?>
 <ds:datastoreItem xmlns:ds="http://schemas.openxmlformats.org/officeDocument/2006/customXml" ds:itemID="{61A00BBF-EEBB-4E18-B8CB-F926EAAC48F7}">
   <ds:schemaRefs>
     <ds:schemaRef ds:uri="http://schemas.microsoft.com/office/2006/metadata/contentType"/>
@@ -23913,6 +23903,16 @@
 </ds:datastoreItem>
 </file>
 
+<file path=customXml/itemProps2.xml><?xml version="1.0" encoding="utf-8"?>
+<ds:datastoreItem xmlns:ds="http://schemas.openxmlformats.org/officeDocument/2006/customXml" ds:itemID="{EF609EDA-869E-4BE5-AE5D-B898C584B6FF}">
+  <ds:schemaRefs>
+    <ds:schemaRef ds:uri="http://schemas.microsoft.com/office/2006/metadata/properties"/>
+    <ds:schemaRef ds:uri="http://schemas.microsoft.com/office/infopath/2007/PartnerControls"/>
+    <ds:schemaRef ds:uri="71af3243-3dd4-4a8d-8c0d-dd76da1f02a5"/>
+  </ds:schemaRefs>
+</ds:datastoreItem>
+</file>
+
 <file path=customXml/itemProps3.xml><?xml version="1.0" encoding="utf-8"?>
 <ds:datastoreItem xmlns:ds="http://schemas.openxmlformats.org/officeDocument/2006/customXml" ds:itemID="{2FD05317-60D6-4B3A-8545-888496D1A8EC}">
   <ds:schemaRefs>
